--- a/Презентация.pptx
+++ b/Презентация.pptx
@@ -14,7 +14,8 @@
     <p:sldId id="262" r:id="rId8"/>
     <p:sldId id="266" r:id="rId9"/>
     <p:sldId id="267" r:id="rId10"/>
-    <p:sldId id="268" r:id="rId11"/>
+    <p:sldId id="269" r:id="rId11"/>
+    <p:sldId id="268" r:id="rId12"/>
   </p:sldIdLst>
   <p:sldSz cx="9144000" cy="6858000" type="screen4x3"/>
   <p:notesSz cx="6858000" cy="9144000"/>
@@ -397,7 +398,7 @@
             <a:fld id="{A9062EDC-0C69-4F9E-8BB1-5F8DC875A69B}" type="datetimeFigureOut">
               <a:rPr lang="ru-RU" smtClean="0"/>
               <a:pPr/>
-              <a:t>04.05.2020</a:t>
+              <a:t>07.05.2020</a:t>
             </a:fld>
             <a:endParaRPr lang="ru-RU"/>
           </a:p>
@@ -792,7 +793,7 @@
             <a:fld id="{A9062EDC-0C69-4F9E-8BB1-5F8DC875A69B}" type="datetimeFigureOut">
               <a:rPr lang="ru-RU" smtClean="0"/>
               <a:pPr/>
-              <a:t>04.05.2020</a:t>
+              <a:t>07.05.2020</a:t>
             </a:fld>
             <a:endParaRPr lang="ru-RU"/>
           </a:p>
@@ -1327,7 +1328,7 @@
             <a:fld id="{A9062EDC-0C69-4F9E-8BB1-5F8DC875A69B}" type="datetimeFigureOut">
               <a:rPr lang="ru-RU" smtClean="0"/>
               <a:pPr/>
-              <a:t>04.05.2020</a:t>
+              <a:t>07.05.2020</a:t>
             </a:fld>
             <a:endParaRPr lang="ru-RU"/>
           </a:p>
@@ -1461,7 +1462,7 @@
             <a:fld id="{A9062EDC-0C69-4F9E-8BB1-5F8DC875A69B}" type="datetimeFigureOut">
               <a:rPr lang="ru-RU" smtClean="0"/>
               <a:pPr/>
-              <a:t>04.05.2020</a:t>
+              <a:t>07.05.2020</a:t>
             </a:fld>
             <a:endParaRPr lang="ru-RU"/>
           </a:p>
@@ -2006,7 +2007,7 @@
             <a:fld id="{A9062EDC-0C69-4F9E-8BB1-5F8DC875A69B}" type="datetimeFigureOut">
               <a:rPr lang="ru-RU" smtClean="0"/>
               <a:pPr/>
-              <a:t>04.05.2020</a:t>
+              <a:t>07.05.2020</a:t>
             </a:fld>
             <a:endParaRPr lang="ru-RU"/>
           </a:p>
@@ -2303,7 +2304,7 @@
             <a:fld id="{A9062EDC-0C69-4F9E-8BB1-5F8DC875A69B}" type="datetimeFigureOut">
               <a:rPr lang="ru-RU" smtClean="0"/>
               <a:pPr/>
-              <a:t>04.05.2020</a:t>
+              <a:t>07.05.2020</a:t>
             </a:fld>
             <a:endParaRPr lang="ru-RU"/>
           </a:p>
@@ -2964,7 +2965,7 @@
             <a:fld id="{A9062EDC-0C69-4F9E-8BB1-5F8DC875A69B}" type="datetimeFigureOut">
               <a:rPr lang="ru-RU" smtClean="0"/>
               <a:pPr/>
-              <a:t>04.05.2020</a:t>
+              <a:t>07.05.2020</a:t>
             </a:fld>
             <a:endParaRPr lang="ru-RU"/>
           </a:p>
@@ -3402,7 +3403,7 @@
             <a:fld id="{A9062EDC-0C69-4F9E-8BB1-5F8DC875A69B}" type="datetimeFigureOut">
               <a:rPr lang="ru-RU" smtClean="0"/>
               <a:pPr/>
-              <a:t>04.05.2020</a:t>
+              <a:t>07.05.2020</a:t>
             </a:fld>
             <a:endParaRPr lang="ru-RU"/>
           </a:p>
@@ -3717,7 +3718,7 @@
             <a:fld id="{A9062EDC-0C69-4F9E-8BB1-5F8DC875A69B}" type="datetimeFigureOut">
               <a:rPr lang="ru-RU" smtClean="0"/>
               <a:pPr/>
-              <a:t>04.05.2020</a:t>
+              <a:t>07.05.2020</a:t>
             </a:fld>
             <a:endParaRPr lang="ru-RU"/>
           </a:p>
@@ -4452,7 +4453,7 @@
             <a:fld id="{A9062EDC-0C69-4F9E-8BB1-5F8DC875A69B}" type="datetimeFigureOut">
               <a:rPr lang="ru-RU" smtClean="0"/>
               <a:pPr/>
-              <a:t>04.05.2020</a:t>
+              <a:t>07.05.2020</a:t>
             </a:fld>
             <a:endParaRPr lang="ru-RU"/>
           </a:p>
@@ -5118,7 +5119,7 @@
             <a:fld id="{A9062EDC-0C69-4F9E-8BB1-5F8DC875A69B}" type="datetimeFigureOut">
               <a:rPr lang="ru-RU" smtClean="0"/>
               <a:pPr/>
-              <a:t>04.05.2020</a:t>
+              <a:t>07.05.2020</a:t>
             </a:fld>
             <a:endParaRPr lang="ru-RU"/>
           </a:p>
@@ -5392,7 +5393,7 @@
             <a:fld id="{A9062EDC-0C69-4F9E-8BB1-5F8DC875A69B}" type="datetimeFigureOut">
               <a:rPr lang="ru-RU" smtClean="0"/>
               <a:pPr/>
-              <a:t>04.05.2020</a:t>
+              <a:t>07.05.2020</a:t>
             </a:fld>
             <a:endParaRPr lang="ru-RU"/>
           </a:p>
@@ -6078,25 +6079,39 @@
         </p:nvSpPr>
         <p:spPr>
           <a:xfrm>
-            <a:off x="1331913" y="5644207"/>
-            <a:ext cx="6480174" cy="737121"/>
-          </a:xfrm>
-        </p:spPr>
-        <p:txBody>
-          <a:bodyPr>
-            <a:normAutofit/>
-          </a:bodyPr>
+            <a:off x="1331913" y="5695528"/>
+            <a:ext cx="6480174" cy="685800"/>
+          </a:xfrm>
+        </p:spPr>
+        <p:txBody>
+          <a:bodyPr/>
           <a:lstStyle/>
           <a:p>
             <a:r>
               <a:rPr lang="ru-RU" dirty="0" smtClean="0"/>
-              <a:t>Проект выполнен</a:t>
-            </a:r>
-          </a:p>
-          <a:p>
+              <a:t>Проект </a:t>
+            </a:r>
+            <a:r>
+              <a:rPr lang="en-US" dirty="0" smtClean="0"/>
+              <a:t> </a:t>
+            </a:r>
             <a:r>
               <a:rPr lang="ru-RU" dirty="0" smtClean="0"/>
-              <a:t>Гришиной Еленой</a:t>
+              <a:t>выполнен</a:t>
+            </a:r>
+          </a:p>
+          <a:p>
+            <a:r>
+              <a:rPr lang="ru-RU" dirty="0" smtClean="0"/>
+              <a:t>Гришиной </a:t>
+            </a:r>
+            <a:r>
+              <a:rPr lang="en-US" dirty="0" smtClean="0"/>
+              <a:t> </a:t>
+            </a:r>
+            <a:r>
+              <a:rPr lang="ru-RU" dirty="0" smtClean="0"/>
+              <a:t>Еленой</a:t>
             </a:r>
             <a:endParaRPr lang="ru-RU" dirty="0"/>
           </a:p>
@@ -6118,10 +6133,10 @@
           <a:lstStyle/>
           <a:p>
             <a:r>
-              <a:rPr lang="ru-RU" sz="4400" dirty="0" smtClean="0"/>
+              <a:rPr lang="ru-RU" smtClean="0"/>
               <a:t>Историческая Москва</a:t>
             </a:r>
-            <a:endParaRPr lang="ru-RU" sz="4400" dirty="0"/>
+            <a:endParaRPr lang="ru-RU" dirty="0"/>
           </a:p>
         </p:txBody>
       </p:sp>
@@ -6307,6 +6322,230 @@
                   <a:srgbClr val="FFFFFF"/>
                 </a:solidFill>
               </a:rPr>
+              <a:t>… посмотреть топ мест…</a:t>
+            </a:r>
+            <a:endParaRPr lang="ru-RU" sz="2000" dirty="0">
+              <a:solidFill>
+                <a:srgbClr val="FFFFFF"/>
+              </a:solidFill>
+            </a:endParaRPr>
+          </a:p>
+        </p:txBody>
+      </p:sp>
+      <p:pic>
+        <p:nvPicPr>
+          <p:cNvPr id="1026" name="Picture 2"/>
+          <p:cNvPicPr>
+            <a:picLocks noChangeAspect="1" noChangeArrowheads="1"/>
+          </p:cNvPicPr>
+          <p:nvPr/>
+        </p:nvPicPr>
+        <p:blipFill>
+          <a:blip r:embed="rId3" cstate="print"/>
+          <a:srcRect t="11812" r="10344" b="5501"/>
+          <a:stretch>
+            <a:fillRect/>
+          </a:stretch>
+        </p:blipFill>
+        <p:spPr bwMode="auto">
+          <a:xfrm>
+            <a:off x="596130" y="2114187"/>
+            <a:ext cx="7951740" cy="4123125"/>
+          </a:xfrm>
+          <a:prstGeom prst="rect">
+            <a:avLst/>
+          </a:prstGeom>
+          <a:noFill/>
+          <a:ln w="9525">
+            <a:noFill/>
+            <a:miter lim="800000"/>
+            <a:headEnd/>
+            <a:tailEnd/>
+          </a:ln>
+        </p:spPr>
+      </p:pic>
+    </p:spTree>
+  </p:cSld>
+  <p:clrMapOvr>
+    <a:masterClrMapping/>
+  </p:clrMapOvr>
+  <p:timing>
+    <p:tnLst>
+      <p:par>
+        <p:cTn id="1" dur="indefinite" restart="never" nodeType="tmRoot"/>
+      </p:par>
+    </p:tnLst>
+  </p:timing>
+</p:sld>
+</file>
+
+<file path=ppt/slides/slide11.xml><?xml version="1.0" encoding="utf-8"?>
+<p:sld xmlns:a="http://schemas.openxmlformats.org/drawingml/2006/main" xmlns:r="http://schemas.openxmlformats.org/officeDocument/2006/relationships" xmlns:p="http://schemas.openxmlformats.org/presentationml/2006/main">
+  <p:cSld>
+    <p:spTree>
+      <p:nvGrpSpPr>
+        <p:cNvPr id="1" name=""/>
+        <p:cNvGrpSpPr/>
+        <p:nvPr/>
+      </p:nvGrpSpPr>
+      <p:grpSpPr>
+        <a:xfrm>
+          <a:off x="0" y="0"/>
+          <a:ext cx="0" cy="0"/>
+          <a:chOff x="0" y="0"/>
+          <a:chExt cx="0" cy="0"/>
+        </a:xfrm>
+      </p:grpSpPr>
+      <p:pic>
+        <p:nvPicPr>
+          <p:cNvPr id="14" name="Picture 5"/>
+          <p:cNvPicPr>
+            <a:picLocks noChangeAspect="1" noChangeArrowheads="1"/>
+          </p:cNvPicPr>
+          <p:nvPr/>
+        </p:nvPicPr>
+        <p:blipFill>
+          <a:blip r:embed="rId2" cstate="print">
+            <a:clrChange>
+              <a:clrFrom>
+                <a:srgbClr val="FFFFFF"/>
+              </a:clrFrom>
+              <a:clrTo>
+                <a:srgbClr val="FFFFFF">
+                  <a:alpha val="0"/>
+                </a:srgbClr>
+              </a:clrTo>
+            </a:clrChange>
+          </a:blip>
+          <a:srcRect l="3896" r="3784"/>
+          <a:stretch>
+            <a:fillRect/>
+          </a:stretch>
+        </p:blipFill>
+        <p:spPr bwMode="auto">
+          <a:xfrm flipV="1">
+            <a:off x="179512" y="188640"/>
+            <a:ext cx="8784976" cy="1008112"/>
+          </a:xfrm>
+          <a:prstGeom prst="rect">
+            <a:avLst/>
+          </a:prstGeom>
+          <a:noFill/>
+          <a:ln w="9525">
+            <a:noFill/>
+            <a:miter lim="800000"/>
+            <a:headEnd/>
+            <a:tailEnd/>
+          </a:ln>
+        </p:spPr>
+      </p:pic>
+      <p:pic>
+        <p:nvPicPr>
+          <p:cNvPr id="3077" name="Picture 5"/>
+          <p:cNvPicPr>
+            <a:picLocks noChangeAspect="1" noChangeArrowheads="1"/>
+          </p:cNvPicPr>
+          <p:nvPr/>
+        </p:nvPicPr>
+        <p:blipFill>
+          <a:blip r:embed="rId2" cstate="print">
+            <a:clrChange>
+              <a:clrFrom>
+                <a:srgbClr val="FFFFFF"/>
+              </a:clrFrom>
+              <a:clrTo>
+                <a:srgbClr val="FFFFFF">
+                  <a:alpha val="0"/>
+                </a:srgbClr>
+              </a:clrTo>
+            </a:clrChange>
+          </a:blip>
+          <a:srcRect l="3896" r="3784" b="30769"/>
+          <a:stretch>
+            <a:fillRect/>
+          </a:stretch>
+        </p:blipFill>
+        <p:spPr bwMode="auto">
+          <a:xfrm>
+            <a:off x="179512" y="1340768"/>
+            <a:ext cx="8784976" cy="648072"/>
+          </a:xfrm>
+          <a:prstGeom prst="rect">
+            <a:avLst/>
+          </a:prstGeom>
+          <a:noFill/>
+          <a:ln w="9525">
+            <a:noFill/>
+            <a:miter lim="800000"/>
+            <a:headEnd/>
+            <a:tailEnd/>
+          </a:ln>
+        </p:spPr>
+      </p:pic>
+      <p:sp>
+        <p:nvSpPr>
+          <p:cNvPr id="2" name="Заголовок 1"/>
+          <p:cNvSpPr>
+            <a:spLocks noGrp="1"/>
+          </p:cNvSpPr>
+          <p:nvPr>
+            <p:ph type="title"/>
+          </p:nvPr>
+        </p:nvSpPr>
+        <p:spPr/>
+        <p:txBody>
+          <a:bodyPr>
+            <a:normAutofit/>
+          </a:bodyPr>
+          <a:lstStyle/>
+          <a:p>
+            <a:r>
+              <a:rPr lang="ru-RU" sz="3200" b="1" dirty="0" smtClean="0">
+                <a:solidFill>
+                  <a:srgbClr val="FFFFFF"/>
+                </a:solidFill>
+              </a:rPr>
+              <a:t>Подробнее о возможностях</a:t>
+            </a:r>
+            <a:endParaRPr lang="ru-RU" sz="3200" b="1" dirty="0">
+              <a:solidFill>
+                <a:srgbClr val="FFFFFF"/>
+              </a:solidFill>
+            </a:endParaRPr>
+          </a:p>
+        </p:txBody>
+      </p:sp>
+      <p:sp>
+        <p:nvSpPr>
+          <p:cNvPr id="3" name="Текст 2"/>
+          <p:cNvSpPr>
+            <a:spLocks noGrp="1"/>
+          </p:cNvSpPr>
+          <p:nvPr>
+            <p:ph sz="quarter" idx="1"/>
+          </p:nvPr>
+        </p:nvSpPr>
+        <p:spPr>
+          <a:xfrm>
+            <a:off x="301752" y="1527048"/>
+            <a:ext cx="8503920" cy="749824"/>
+          </a:xfrm>
+        </p:spPr>
+        <p:txBody>
+          <a:bodyPr>
+            <a:normAutofit/>
+          </a:bodyPr>
+          <a:lstStyle/>
+          <a:p>
+            <a:pPr algn="ctr">
+              <a:buNone/>
+            </a:pPr>
+            <a:r>
+              <a:rPr lang="ru-RU" sz="2000" dirty="0" smtClean="0">
+                <a:solidFill>
+                  <a:srgbClr val="FFFFFF"/>
+                </a:solidFill>
+              </a:rPr>
               <a:t>Попробуй полный функционал сайта уже сейчас!</a:t>
             </a:r>
             <a:endParaRPr lang="ru-RU" sz="2000" dirty="0">
@@ -6563,17 +6802,8 @@
             </a:pPr>
             <a:r>
               <a:rPr lang="ru-RU" sz="2000" dirty="0" smtClean="0"/>
-              <a:t>Список </a:t>
-            </a:r>
-            <a:r>
-              <a:rPr lang="ru-RU" sz="2000" dirty="0" smtClean="0"/>
-              <a:t>всех </a:t>
-            </a:r>
-            <a:r>
-              <a:rPr lang="ru-RU" sz="2000" dirty="0" smtClean="0"/>
-              <a:t>мест и категорий</a:t>
-            </a:r>
-            <a:endParaRPr lang="ru-RU" sz="2000" dirty="0" smtClean="0"/>
+              <a:t>Список всех мест и категорий</a:t>
+            </a:r>
           </a:p>
           <a:p>
             <a:pPr>
@@ -6588,19 +6818,7 @@
             </a:pPr>
             <a:r>
               <a:rPr lang="ru-RU" sz="2000" dirty="0" smtClean="0"/>
-              <a:t>И</a:t>
-            </a:r>
-            <a:r>
-              <a:rPr lang="ru-RU" sz="2000" dirty="0" smtClean="0"/>
-              <a:t>нформация </a:t>
-            </a:r>
-            <a:r>
-              <a:rPr lang="ru-RU" sz="2000" dirty="0" smtClean="0"/>
-              <a:t>по </a:t>
-            </a:r>
-            <a:r>
-              <a:rPr lang="ru-RU" sz="2000" dirty="0" smtClean="0"/>
-              <a:t>каждому месту</a:t>
+              <a:t>Информация по каждому месту</a:t>
             </a:r>
             <a:r>
               <a:rPr lang="en-US" sz="2000" dirty="0" smtClean="0"/>
@@ -6624,21 +6842,8 @@
             </a:pPr>
             <a:r>
               <a:rPr lang="ru-RU" sz="2000" dirty="0" smtClean="0"/>
-              <a:t>В</a:t>
-            </a:r>
-            <a:r>
-              <a:rPr lang="ru-RU" sz="2000" dirty="0" smtClean="0"/>
-              <a:t>се </a:t>
-            </a:r>
-            <a:r>
-              <a:rPr lang="ru-RU" sz="2000" dirty="0" smtClean="0"/>
-              <a:t>места на </a:t>
-            </a:r>
-            <a:r>
-              <a:rPr lang="ru-RU" sz="2000" dirty="0" smtClean="0"/>
-              <a:t>карте</a:t>
-            </a:r>
-            <a:endParaRPr lang="ru-RU" sz="2000" dirty="0" smtClean="0"/>
+              <a:t>Все места на карте</a:t>
+            </a:r>
           </a:p>
           <a:p>
             <a:pPr>
@@ -7174,6 +7379,49 @@
       </p:grpSpPr>
       <p:pic>
         <p:nvPicPr>
+          <p:cNvPr id="7" name="Picture 5"/>
+          <p:cNvPicPr>
+            <a:picLocks noChangeAspect="1" noChangeArrowheads="1"/>
+          </p:cNvPicPr>
+          <p:nvPr/>
+        </p:nvPicPr>
+        <p:blipFill>
+          <a:blip r:embed="rId2" cstate="print">
+            <a:clrChange>
+              <a:clrFrom>
+                <a:srgbClr val="FFFFFF"/>
+              </a:clrFrom>
+              <a:clrTo>
+                <a:srgbClr val="FFFFFF">
+                  <a:alpha val="0"/>
+                </a:srgbClr>
+              </a:clrTo>
+            </a:clrChange>
+          </a:blip>
+          <a:srcRect l="3896" r="3784" b="30769"/>
+          <a:stretch>
+            <a:fillRect/>
+          </a:stretch>
+        </p:blipFill>
+        <p:spPr bwMode="auto">
+          <a:xfrm>
+            <a:off x="179512" y="1340768"/>
+            <a:ext cx="8784976" cy="648072"/>
+          </a:xfrm>
+          <a:prstGeom prst="rect">
+            <a:avLst/>
+          </a:prstGeom>
+          <a:noFill/>
+          <a:ln w="9525">
+            <a:noFill/>
+            <a:miter lim="800000"/>
+            <a:headEnd/>
+            <a:tailEnd/>
+          </a:ln>
+        </p:spPr>
+      </p:pic>
+      <p:pic>
+        <p:nvPicPr>
           <p:cNvPr id="14" name="Picture 5"/>
           <p:cNvPicPr>
             <a:picLocks noChangeAspect="1" noChangeArrowheads="1"/>
@@ -7215,49 +7463,6 @@
           </a:ln>
         </p:spPr>
       </p:pic>
-      <p:pic>
-        <p:nvPicPr>
-          <p:cNvPr id="3077" name="Picture 5"/>
-          <p:cNvPicPr>
-            <a:picLocks noChangeAspect="1" noChangeArrowheads="1"/>
-          </p:cNvPicPr>
-          <p:nvPr/>
-        </p:nvPicPr>
-        <p:blipFill>
-          <a:blip r:embed="rId2" cstate="print">
-            <a:clrChange>
-              <a:clrFrom>
-                <a:srgbClr val="FFFFFF"/>
-              </a:clrFrom>
-              <a:clrTo>
-                <a:srgbClr val="FFFFFF">
-                  <a:alpha val="0"/>
-                </a:srgbClr>
-              </a:clrTo>
-            </a:clrChange>
-          </a:blip>
-          <a:srcRect l="3896" r="3784"/>
-          <a:stretch>
-            <a:fillRect/>
-          </a:stretch>
-        </p:blipFill>
-        <p:spPr bwMode="auto">
-          <a:xfrm>
-            <a:off x="179512" y="1340768"/>
-            <a:ext cx="8784976" cy="936104"/>
-          </a:xfrm>
-          <a:prstGeom prst="rect">
-            <a:avLst/>
-          </a:prstGeom>
-          <a:noFill/>
-          <a:ln w="9525">
-            <a:noFill/>
-            <a:miter lim="800000"/>
-            <a:headEnd/>
-            <a:tailEnd/>
-          </a:ln>
-        </p:spPr>
-      </p:pic>
       <p:sp>
         <p:nvSpPr>
           <p:cNvPr id="2" name="Заголовок 1"/>
@@ -7333,7 +7538,12 @@
             <p:ph sz="quarter" idx="1"/>
           </p:nvPr>
         </p:nvSpPr>
-        <p:spPr/>
+        <p:spPr>
+          <a:xfrm>
+            <a:off x="301752" y="1449288"/>
+            <a:ext cx="8503920" cy="4572000"/>
+          </a:xfrm>
+        </p:spPr>
         <p:txBody>
           <a:bodyPr>
             <a:normAutofit/>
@@ -7349,23 +7559,7 @@
                   <a:srgbClr val="FFFFFF"/>
                 </a:solidFill>
               </a:rPr>
-              <a:t>(авторизованные </a:t>
-            </a:r>
-            <a:r>
-              <a:rPr lang="ru-RU" sz="2000" dirty="0" smtClean="0">
-                <a:solidFill>
-                  <a:srgbClr val="FFFFFF"/>
-                </a:solidFill>
-              </a:rPr>
-              <a:t>пользователи могут добавить комментарии к </a:t>
-            </a:r>
-            <a:r>
-              <a:rPr lang="ru-RU" sz="2000" dirty="0" smtClean="0">
-                <a:solidFill>
-                  <a:srgbClr val="FFFFFF"/>
-                </a:solidFill>
-              </a:rPr>
-              <a:t>месту)</a:t>
+              <a:t>(авторизованные пользователи могут добавить комментарии к месту)</a:t>
             </a:r>
             <a:endParaRPr lang="ru-RU" sz="2000" dirty="0">
               <a:solidFill>
@@ -7409,6 +7603,49 @@
       </p:grpSpPr>
       <p:pic>
         <p:nvPicPr>
+          <p:cNvPr id="7" name="Picture 5"/>
+          <p:cNvPicPr>
+            <a:picLocks noChangeAspect="1" noChangeArrowheads="1"/>
+          </p:cNvPicPr>
+          <p:nvPr/>
+        </p:nvPicPr>
+        <p:blipFill>
+          <a:blip r:embed="rId2" cstate="print">
+            <a:clrChange>
+              <a:clrFrom>
+                <a:srgbClr val="FFFFFF"/>
+              </a:clrFrom>
+              <a:clrTo>
+                <a:srgbClr val="FFFFFF">
+                  <a:alpha val="0"/>
+                </a:srgbClr>
+              </a:clrTo>
+            </a:clrChange>
+          </a:blip>
+          <a:srcRect l="3896" r="3784" b="30769"/>
+          <a:stretch>
+            <a:fillRect/>
+          </a:stretch>
+        </p:blipFill>
+        <p:spPr bwMode="auto">
+          <a:xfrm>
+            <a:off x="179512" y="1340768"/>
+            <a:ext cx="8784976" cy="648072"/>
+          </a:xfrm>
+          <a:prstGeom prst="rect">
+            <a:avLst/>
+          </a:prstGeom>
+          <a:noFill/>
+          <a:ln w="9525">
+            <a:noFill/>
+            <a:miter lim="800000"/>
+            <a:headEnd/>
+            <a:tailEnd/>
+          </a:ln>
+        </p:spPr>
+      </p:pic>
+      <p:pic>
+        <p:nvPicPr>
           <p:cNvPr id="14" name="Picture 5"/>
           <p:cNvPicPr>
             <a:picLocks noChangeAspect="1" noChangeArrowheads="1"/>
@@ -7450,49 +7687,6 @@
           </a:ln>
         </p:spPr>
       </p:pic>
-      <p:pic>
-        <p:nvPicPr>
-          <p:cNvPr id="3077" name="Picture 5"/>
-          <p:cNvPicPr>
-            <a:picLocks noChangeAspect="1" noChangeArrowheads="1"/>
-          </p:cNvPicPr>
-          <p:nvPr/>
-        </p:nvPicPr>
-        <p:blipFill>
-          <a:blip r:embed="rId2" cstate="print">
-            <a:clrChange>
-              <a:clrFrom>
-                <a:srgbClr val="FFFFFF"/>
-              </a:clrFrom>
-              <a:clrTo>
-                <a:srgbClr val="FFFFFF">
-                  <a:alpha val="0"/>
-                </a:srgbClr>
-              </a:clrTo>
-            </a:clrChange>
-          </a:blip>
-          <a:srcRect l="3896" r="3784"/>
-          <a:stretch>
-            <a:fillRect/>
-          </a:stretch>
-        </p:blipFill>
-        <p:spPr bwMode="auto">
-          <a:xfrm>
-            <a:off x="179512" y="1340768"/>
-            <a:ext cx="8784976" cy="936104"/>
-          </a:xfrm>
-          <a:prstGeom prst="rect">
-            <a:avLst/>
-          </a:prstGeom>
-          <a:noFill/>
-          <a:ln w="9525">
-            <a:noFill/>
-            <a:miter lim="800000"/>
-            <a:headEnd/>
-            <a:tailEnd/>
-          </a:ln>
-        </p:spPr>
-      </p:pic>
       <p:sp>
         <p:nvSpPr>
           <p:cNvPr id="2" name="Заголовок 1"/>
@@ -7538,8 +7732,8 @@
         </p:nvSpPr>
         <p:spPr>
           <a:xfrm>
-            <a:off x="301752" y="1527048"/>
-            <a:ext cx="8503920" cy="749824"/>
+            <a:off x="301752" y="1455040"/>
+            <a:ext cx="8503920" cy="461792"/>
           </a:xfrm>
         </p:spPr>
         <p:txBody>
@@ -7589,22 +7783,6 @@
                   <a:srgbClr val="FFFFFF"/>
                 </a:solidFill>
               </a:rPr>
-              <a:t> категории </a:t>
-            </a:r>
-            <a:r>
-              <a:rPr lang="en-US" sz="2000" dirty="0" smtClean="0">
-                <a:solidFill>
-                  <a:srgbClr val="FFFFFF"/>
-                </a:solidFill>
-              </a:rPr>
-              <a:t>/</a:t>
-            </a:r>
-            <a:r>
-              <a:rPr lang="ru-RU" sz="2000" dirty="0" smtClean="0">
-                <a:solidFill>
-                  <a:srgbClr val="FFFFFF"/>
-                </a:solidFill>
-              </a:rPr>
               <a:t> </a:t>
             </a:r>
             <a:r>
@@ -7641,7 +7819,7 @@
       </p:sp>
       <p:pic>
         <p:nvPicPr>
-          <p:cNvPr id="4099" name="Picture 3"/>
+          <p:cNvPr id="2050" name="Picture 2"/>
           <p:cNvPicPr>
             <a:picLocks noChangeAspect="1" noChangeArrowheads="1"/>
           </p:cNvPicPr>
@@ -7649,15 +7827,15 @@
         </p:nvPicPr>
         <p:blipFill>
           <a:blip r:embed="rId3" cstate="print"/>
-          <a:srcRect t="18703" r="15605" b="19313"/>
+          <a:srcRect t="18703" r="16431" b="14361"/>
           <a:stretch>
             <a:fillRect/>
           </a:stretch>
         </p:blipFill>
         <p:spPr bwMode="auto">
           <a:xfrm>
-            <a:off x="305780" y="2567758"/>
-            <a:ext cx="8532440" cy="3523306"/>
+            <a:off x="323528" y="2276872"/>
+            <a:ext cx="8496944" cy="3826438"/>
           </a:xfrm>
           <a:prstGeom prst="rect">
             <a:avLst/>
@@ -7705,6 +7883,49 @@
       </p:grpSpPr>
       <p:pic>
         <p:nvPicPr>
+          <p:cNvPr id="1026" name="Picture 2"/>
+          <p:cNvPicPr>
+            <a:picLocks noChangeAspect="1" noChangeArrowheads="1"/>
+          </p:cNvPicPr>
+          <p:nvPr/>
+        </p:nvPicPr>
+        <p:blipFill>
+          <a:blip r:embed="rId2" cstate="print">
+            <a:clrChange>
+              <a:clrFrom>
+                <a:srgbClr val="FFFFFF"/>
+              </a:clrFrom>
+              <a:clrTo>
+                <a:srgbClr val="FFFFFF">
+                  <a:alpha val="0"/>
+                </a:srgbClr>
+              </a:clrTo>
+            </a:clrChange>
+          </a:blip>
+          <a:srcRect b="37864"/>
+          <a:stretch>
+            <a:fillRect/>
+          </a:stretch>
+        </p:blipFill>
+        <p:spPr bwMode="auto">
+          <a:xfrm>
+            <a:off x="179512" y="1340768"/>
+            <a:ext cx="8801100" cy="864096"/>
+          </a:xfrm>
+          <a:prstGeom prst="rect">
+            <a:avLst/>
+          </a:prstGeom>
+          <a:noFill/>
+          <a:ln w="9525">
+            <a:noFill/>
+            <a:miter lim="800000"/>
+            <a:headEnd/>
+            <a:tailEnd/>
+          </a:ln>
+        </p:spPr>
+      </p:pic>
+      <p:pic>
+        <p:nvPicPr>
           <p:cNvPr id="14" name="Picture 5"/>
           <p:cNvPicPr>
             <a:picLocks noChangeAspect="1" noChangeArrowheads="1"/>
@@ -7712,7 +7933,7 @@
           <p:nvPr/>
         </p:nvPicPr>
         <p:blipFill>
-          <a:blip r:embed="rId2" cstate="print">
+          <a:blip r:embed="rId3" cstate="print">
             <a:clrChange>
               <a:clrFrom>
                 <a:srgbClr val="FFFFFF"/>
@@ -7746,49 +7967,6 @@
           </a:ln>
         </p:spPr>
       </p:pic>
-      <p:pic>
-        <p:nvPicPr>
-          <p:cNvPr id="3077" name="Picture 5"/>
-          <p:cNvPicPr>
-            <a:picLocks noChangeAspect="1" noChangeArrowheads="1"/>
-          </p:cNvPicPr>
-          <p:nvPr/>
-        </p:nvPicPr>
-        <p:blipFill>
-          <a:blip r:embed="rId2" cstate="print">
-            <a:clrChange>
-              <a:clrFrom>
-                <a:srgbClr val="FFFFFF"/>
-              </a:clrFrom>
-              <a:clrTo>
-                <a:srgbClr val="FFFFFF">
-                  <a:alpha val="0"/>
-                </a:srgbClr>
-              </a:clrTo>
-            </a:clrChange>
-          </a:blip>
-          <a:srcRect l="3896" r="3784" b="23077"/>
-          <a:stretch>
-            <a:fillRect/>
-          </a:stretch>
-        </p:blipFill>
-        <p:spPr bwMode="auto">
-          <a:xfrm>
-            <a:off x="179512" y="1340768"/>
-            <a:ext cx="8784976" cy="720080"/>
-          </a:xfrm>
-          <a:prstGeom prst="rect">
-            <a:avLst/>
-          </a:prstGeom>
-          <a:noFill/>
-          <a:ln w="9525">
-            <a:noFill/>
-            <a:miter lim="800000"/>
-            <a:headEnd/>
-            <a:tailEnd/>
-          </a:ln>
-        </p:spPr>
-      </p:pic>
       <p:sp>
         <p:nvSpPr>
           <p:cNvPr id="2" name="Заголовок 1"/>
@@ -7834,7 +8012,7 @@
         </p:nvSpPr>
         <p:spPr>
           <a:xfrm>
-            <a:off x="301752" y="1527048"/>
+            <a:off x="301752" y="1455040"/>
             <a:ext cx="8503920" cy="749824"/>
           </a:xfrm>
         </p:spPr>
@@ -7853,7 +8031,31 @@
                   <a:srgbClr val="FFFFFF"/>
                 </a:solidFill>
               </a:rPr>
-              <a:t>… посмотреть все категории и места, относящиеся к ним…</a:t>
+              <a:t>… </a:t>
+            </a:r>
+            <a:r>
+              <a:rPr lang="ru-RU" sz="2000" dirty="0" smtClean="0">
+                <a:solidFill>
+                  <a:srgbClr val="FFFFFF"/>
+                </a:solidFill>
+              </a:rPr>
+              <a:t>найти категорию, </a:t>
+            </a:r>
+            <a:r>
+              <a:rPr lang="ru-RU" sz="2000" dirty="0" smtClean="0">
+                <a:solidFill>
+                  <a:srgbClr val="FFFFFF"/>
+                </a:solidFill>
+              </a:rPr>
+              <a:t>посмотреть </a:t>
+            </a:r>
+            <a:r>
+              <a:rPr lang="ru-RU" sz="2000" dirty="0" smtClean="0">
+                <a:solidFill>
+                  <a:srgbClr val="FFFFFF"/>
+                </a:solidFill>
+              </a:rPr>
+              <a:t>все категории и места, относящиеся к ним…</a:t>
             </a:r>
             <a:endParaRPr lang="ru-RU" sz="2000" dirty="0">
               <a:solidFill>
@@ -7865,23 +8067,23 @@
       </p:sp>
       <p:pic>
         <p:nvPicPr>
-          <p:cNvPr id="6146" name="Picture 2"/>
+          <p:cNvPr id="1027" name="Picture 3"/>
           <p:cNvPicPr>
             <a:picLocks noChangeAspect="1" noChangeArrowheads="1"/>
           </p:cNvPicPr>
           <p:nvPr/>
         </p:nvPicPr>
         <p:blipFill>
-          <a:blip r:embed="rId3" cstate="print"/>
-          <a:srcRect t="13781" r="49365" b="6485"/>
+          <a:blip r:embed="rId4" cstate="print"/>
+          <a:srcRect t="18703" r="49638" b="5501"/>
           <a:stretch>
             <a:fillRect/>
           </a:stretch>
         </p:blipFill>
         <p:spPr bwMode="auto">
           <a:xfrm>
-            <a:off x="2231740" y="2122281"/>
-            <a:ext cx="4680520" cy="4143730"/>
+            <a:off x="2231740" y="2326724"/>
+            <a:ext cx="4680520" cy="3960440"/>
           </a:xfrm>
           <a:prstGeom prst="rect">
             <a:avLst/>
